--- a/DemoSlides.pptx
+++ b/DemoSlides.pptx
@@ -206,7 +206,7 @@
           <a:p>
             <a:fld id="{A91794F5-2EAD-7740-8B7B-ACB0B1778CDD}" type="datetimeFigureOut">
               <a:rPr lang="en-GB" smtClean="0"/>
-              <a:t>21/06/2025</a:t>
+              <a:t>24/06/2025</a:t>
             </a:fld>
             <a:endParaRPr lang="en-GB"/>
           </a:p>
@@ -726,7 +726,7 @@
           <a:p>
             <a:fld id="{BAFAD9C1-3880-E240-B51F-65299F8270CD}" type="datetimeFigureOut">
               <a:rPr lang="en-GB" smtClean="0"/>
-              <a:t>21/06/2025</a:t>
+              <a:t>24/06/2025</a:t>
             </a:fld>
             <a:endParaRPr lang="en-GB"/>
           </a:p>
@@ -1056,7 +1056,7 @@
           <a:p>
             <a:fld id="{BAFAD9C1-3880-E240-B51F-65299F8270CD}" type="datetimeFigureOut">
               <a:rPr lang="en-GB" smtClean="0"/>
-              <a:t>21/06/2025</a:t>
+              <a:t>24/06/2025</a:t>
             </a:fld>
             <a:endParaRPr lang="en-GB"/>
           </a:p>
@@ -1236,7 +1236,7 @@
           <a:p>
             <a:fld id="{BAFAD9C1-3880-E240-B51F-65299F8270CD}" type="datetimeFigureOut">
               <a:rPr lang="en-GB" smtClean="0"/>
-              <a:t>21/06/2025</a:t>
+              <a:t>24/06/2025</a:t>
             </a:fld>
             <a:endParaRPr lang="en-GB"/>
           </a:p>
@@ -1406,7 +1406,7 @@
           <a:p>
             <a:fld id="{BAFAD9C1-3880-E240-B51F-65299F8270CD}" type="datetimeFigureOut">
               <a:rPr lang="en-GB" smtClean="0"/>
-              <a:t>21/06/2025</a:t>
+              <a:t>24/06/2025</a:t>
             </a:fld>
             <a:endParaRPr lang="en-GB"/>
           </a:p>
@@ -1683,7 +1683,7 @@
           <a:p>
             <a:fld id="{BAFAD9C1-3880-E240-B51F-65299F8270CD}" type="datetimeFigureOut">
               <a:rPr lang="en-GB" smtClean="0"/>
-              <a:t>21/06/2025</a:t>
+              <a:t>24/06/2025</a:t>
             </a:fld>
             <a:endParaRPr lang="en-GB"/>
           </a:p>
@@ -2077,7 +2077,7 @@
           <a:p>
             <a:fld id="{BAFAD9C1-3880-E240-B51F-65299F8270CD}" type="datetimeFigureOut">
               <a:rPr lang="en-GB" smtClean="0"/>
-              <a:t>21/06/2025</a:t>
+              <a:t>24/06/2025</a:t>
             </a:fld>
             <a:endParaRPr lang="en-GB"/>
           </a:p>
@@ -2554,7 +2554,7 @@
           <a:p>
             <a:fld id="{BAFAD9C1-3880-E240-B51F-65299F8270CD}" type="datetimeFigureOut">
               <a:rPr lang="en-GB" smtClean="0"/>
-              <a:t>21/06/2025</a:t>
+              <a:t>24/06/2025</a:t>
             </a:fld>
             <a:endParaRPr lang="en-GB"/>
           </a:p>
@@ -2672,7 +2672,7 @@
           <a:p>
             <a:fld id="{BAFAD9C1-3880-E240-B51F-65299F8270CD}" type="datetimeFigureOut">
               <a:rPr lang="en-GB" smtClean="0"/>
-              <a:t>21/06/2025</a:t>
+              <a:t>24/06/2025</a:t>
             </a:fld>
             <a:endParaRPr lang="en-GB"/>
           </a:p>
@@ -2767,7 +2767,7 @@
           <a:p>
             <a:fld id="{BAFAD9C1-3880-E240-B51F-65299F8270CD}" type="datetimeFigureOut">
               <a:rPr lang="en-GB" smtClean="0"/>
-              <a:t>21/06/2025</a:t>
+              <a:t>24/06/2025</a:t>
             </a:fld>
             <a:endParaRPr lang="en-GB"/>
           </a:p>
@@ -3113,7 +3113,7 @@
           <a:p>
             <a:fld id="{BAFAD9C1-3880-E240-B51F-65299F8270CD}" type="datetimeFigureOut">
               <a:rPr lang="en-GB" smtClean="0"/>
-              <a:t>21/06/2025</a:t>
+              <a:t>24/06/2025</a:t>
             </a:fld>
             <a:endParaRPr lang="en-GB"/>
           </a:p>
@@ -3501,7 +3501,7 @@
           <a:p>
             <a:fld id="{BAFAD9C1-3880-E240-B51F-65299F8270CD}" type="datetimeFigureOut">
               <a:rPr lang="en-GB" smtClean="0"/>
-              <a:t>21/06/2025</a:t>
+              <a:t>24/06/2025</a:t>
             </a:fld>
             <a:endParaRPr lang="en-GB"/>
           </a:p>
@@ -3779,7 +3779,7 @@
           <a:p>
             <a:fld id="{BAFAD9C1-3880-E240-B51F-65299F8270CD}" type="datetimeFigureOut">
               <a:rPr lang="en-GB" smtClean="0"/>
-              <a:t>21/06/2025</a:t>
+              <a:t>24/06/2025</a:t>
             </a:fld>
             <a:endParaRPr lang="en-GB"/>
           </a:p>
@@ -4317,7 +4317,7 @@
         </p:nvSpPr>
         <p:spPr>
           <a:xfrm>
-            <a:off x="1478521" y="1480930"/>
+            <a:off x="1478521" y="678436"/>
             <a:ext cx="5678215" cy="3254321"/>
           </a:xfrm>
         </p:spPr>
@@ -4361,7 +4361,7 @@
         </p:nvSpPr>
         <p:spPr>
           <a:xfrm>
-            <a:off x="1478523" y="4804850"/>
+            <a:off x="1579736" y="3932757"/>
             <a:ext cx="5678213" cy="1086237"/>
           </a:xfrm>
         </p:spPr>
@@ -4416,7 +4416,7 @@
         </p:blipFill>
         <p:spPr>
           <a:xfrm>
-            <a:off x="7550981" y="1815075"/>
+            <a:off x="6756084" y="2399266"/>
             <a:ext cx="3957395" cy="1533491"/>
           </a:xfrm>
           <a:prstGeom prst="rect">
@@ -4450,7 +4450,7 @@
         </p:blipFill>
         <p:spPr>
           <a:xfrm>
-            <a:off x="7550981" y="3509434"/>
+            <a:off x="6756084" y="3932757"/>
             <a:ext cx="3957395" cy="1375195"/>
           </a:xfrm>
           <a:prstGeom prst="rect">
@@ -4628,7 +4628,7 @@
           <a:p>
             <a:r>
               <a:rPr lang="en-GB" dirty="0"/>
-              <a:t>A platform to programmatically author, schedule, and monitor workflows.</a:t>
+              <a:t>A platform to programmatically author, schedule and monitor workflows.</a:t>
             </a:r>
           </a:p>
           <a:p>
@@ -4794,7 +4794,7 @@
             </a:r>
             <a:r>
               <a:rPr lang="en-GB" dirty="0"/>
-              <a:t>: Orchestrating Python, from Airflow 3 other language scripts</a:t>
+              <a:t>: Orchestrating Python (other language support under development in Airflow 3) </a:t>
             </a:r>
           </a:p>
           <a:p>
@@ -4820,7 +4820,7 @@
           <a:p>
             <a:r>
               <a:rPr lang="en-GB" b="1" dirty="0"/>
-              <a:t>System Integrators</a:t>
+              <a:t>Integration Specialist</a:t>
             </a:r>
             <a:r>
               <a:rPr lang="en-GB" dirty="0"/>
